--- a/DSE 200X_ Mini Project Presentation.pptx
+++ b/DSE 200X_ Mini Project Presentation.pptx
@@ -247,6 +247,11 @@
       </a:defRPr>
     </a:lvl9pPr>
   </p:defaultTextStyle>
+  <p:extLst>
+    <p:ext uri="{EFAFB233-063F-42B5-8137-9DF3F51BA10A}">
+      <p15:sldGuideLst xmlns:p15="http://schemas.microsoft.com/office/powerpoint/2012/main"/>
+    </p:ext>
+  </p:extLst>
 </p:presentation>
 </file>
 
@@ -6228,12 +6233,35 @@
               <a:buNone/>
             </a:pPr>
             <a:r>
-              <a:rPr lang="en" dirty="0">
+              <a:rPr lang="pt-BR" dirty="0">
                 <a:solidFill>
                   <a:schemeClr val="bg1"/>
                 </a:solidFill>
               </a:rPr>
-              <a:t>&lt;Your Project Title&gt;</a:t>
+              <a:t>World </a:t>
+            </a:r>
+            <a:r>
+              <a:rPr lang="pt-BR" dirty="0" err="1">
+                <a:solidFill>
+                  <a:schemeClr val="bg1"/>
+                </a:solidFill>
+              </a:rPr>
+              <a:t>Development</a:t>
+            </a:r>
+            <a:br>
+              <a:rPr lang="pt-BR" dirty="0">
+                <a:solidFill>
+                  <a:schemeClr val="bg1"/>
+                </a:solidFill>
+              </a:rPr>
+            </a:br>
+            <a:r>
+              <a:rPr lang="pt-BR" dirty="0" err="1">
+                <a:solidFill>
+                  <a:schemeClr val="bg1"/>
+                </a:solidFill>
+              </a:rPr>
+              <a:t>Indicators</a:t>
             </a:r>
             <a:endParaRPr dirty="0">
               <a:solidFill>
@@ -6278,12 +6306,12 @@
               <a:buNone/>
             </a:pPr>
             <a:r>
-              <a:rPr lang="en" dirty="0">
+              <a:rPr lang="pt-BR" dirty="0">
                 <a:solidFill>
                   <a:schemeClr val="bg1"/>
                 </a:solidFill>
               </a:rPr>
-              <a:t>&lt;Your Name&gt;</a:t>
+              <a:t>Fábio Krone</a:t>
             </a:r>
             <a:endParaRPr dirty="0">
               <a:solidFill>
